--- a/worksheet/modelling_worksheet.pptx
+++ b/worksheet/modelling_worksheet.pptx
@@ -5,7 +5,7 @@
     <p:sldMasterId id="2147483648" r:id="rId4"/>
   </p:sldMasterIdLst>
   <p:notesMasterIdLst>
-    <p:notesMasterId r:id="rId12"/>
+    <p:notesMasterId r:id="rId13"/>
   </p:notesMasterIdLst>
   <p:sldIdLst>
     <p:sldId id="266" r:id="rId5"/>
@@ -15,6 +15,7 @@
     <p:sldId id="284" r:id="rId9"/>
     <p:sldId id="282" r:id="rId10"/>
     <p:sldId id="283" r:id="rId11"/>
+    <p:sldId id="287" r:id="rId12"/>
   </p:sldIdLst>
   <p:sldSz cx="12192000" cy="6858000"/>
   <p:notesSz cx="6858000" cy="9144000"/>
@@ -203,7 +204,7 @@
           <a:p>
             <a:fld id="{1831FABA-DD77-D64B-9032-D7999F1CF9B2}" type="datetimeFigureOut">
               <a:rPr lang="en-US" smtClean="0"/>
-              <a:t>3/5/21</a:t>
+              <a:t>3/11/22</a:t>
             </a:fld>
             <a:endParaRPr lang="en-US"/>
           </a:p>
@@ -620,7 +621,7 @@
           <a:p>
             <a:fld id="{D31E00B6-5C5C-9746-80AB-B7E0DE4533DF}" type="datetime1">
               <a:rPr lang="en-GB" smtClean="0"/>
-              <a:t>05/03/2021</a:t>
+              <a:t>11/03/2022</a:t>
             </a:fld>
             <a:endParaRPr lang="en-GB"/>
           </a:p>
@@ -820,7 +821,7 @@
           <a:p>
             <a:fld id="{733D28F1-DD56-EE4E-9684-854D5D7E9DEF}" type="datetime1">
               <a:rPr lang="en-GB" smtClean="0"/>
-              <a:t>05/03/2021</a:t>
+              <a:t>11/03/2022</a:t>
             </a:fld>
             <a:endParaRPr lang="en-GB"/>
           </a:p>
@@ -1030,7 +1031,7 @@
           <a:p>
             <a:fld id="{3595AA4D-ED1D-AA46-8844-F41B5130DD9E}" type="datetime1">
               <a:rPr lang="en-GB" smtClean="0"/>
-              <a:t>05/03/2021</a:t>
+              <a:t>11/03/2022</a:t>
             </a:fld>
             <a:endParaRPr lang="en-GB"/>
           </a:p>
@@ -1427,7 +1428,7 @@
           <a:p>
             <a:fld id="{4CCEAAA4-C184-5844-8655-8774455A1372}" type="datetime1">
               <a:rPr lang="en-GB" smtClean="0"/>
-              <a:t>05/03/2021</a:t>
+              <a:t>11/03/2022</a:t>
             </a:fld>
             <a:endParaRPr lang="en-GB"/>
           </a:p>
@@ -1695,7 +1696,7 @@
           <a:p>
             <a:fld id="{B7CE3598-9D5C-8B45-8715-D8CE4E7E6819}" type="datetime1">
               <a:rPr lang="en-GB" smtClean="0"/>
-              <a:t>05/03/2021</a:t>
+              <a:t>11/03/2022</a:t>
             </a:fld>
             <a:endParaRPr lang="en-GB"/>
           </a:p>
@@ -2110,7 +2111,7 @@
           <a:p>
             <a:fld id="{2BE67167-26D9-A345-A1B8-5FBF39F758C9}" type="datetime1">
               <a:rPr lang="en-GB" smtClean="0"/>
-              <a:t>05/03/2021</a:t>
+              <a:t>11/03/2022</a:t>
             </a:fld>
             <a:endParaRPr lang="en-GB"/>
           </a:p>
@@ -2252,7 +2253,7 @@
           <a:p>
             <a:fld id="{B605BB2E-A07C-324D-A56C-CF57EEC91E63}" type="datetime1">
               <a:rPr lang="en-GB" smtClean="0"/>
-              <a:t>05/03/2021</a:t>
+              <a:t>11/03/2022</a:t>
             </a:fld>
             <a:endParaRPr lang="en-GB"/>
           </a:p>
@@ -2365,7 +2366,7 @@
           <a:p>
             <a:fld id="{306E77E1-B337-714C-88B2-3C06A497F097}" type="datetime1">
               <a:rPr lang="en-GB" smtClean="0"/>
-              <a:t>05/03/2021</a:t>
+              <a:t>11/03/2022</a:t>
             </a:fld>
             <a:endParaRPr lang="en-GB"/>
           </a:p>
@@ -2678,7 +2679,7 @@
           <a:p>
             <a:fld id="{A2A24AB2-33E2-004D-9064-918CED219B7D}" type="datetime1">
               <a:rPr lang="en-GB" smtClean="0"/>
-              <a:t>05/03/2021</a:t>
+              <a:t>11/03/2022</a:t>
             </a:fld>
             <a:endParaRPr lang="en-GB"/>
           </a:p>
@@ -2967,7 +2968,7 @@
           <a:p>
             <a:fld id="{CF470716-EC13-4A47-B875-01045288F2E7}" type="datetime1">
               <a:rPr lang="en-GB" smtClean="0"/>
-              <a:t>05/03/2021</a:t>
+              <a:t>11/03/2022</a:t>
             </a:fld>
             <a:endParaRPr lang="en-GB"/>
           </a:p>
@@ -3213,7 +3214,7 @@
           <a:p>
             <a:fld id="{D9593B85-422E-4B4D-8E89-3AB3ABF52776}" type="datetime1">
               <a:rPr lang="en-GB" smtClean="0"/>
-              <a:t>05/03/2021</a:t>
+              <a:t>11/03/2022</a:t>
             </a:fld>
             <a:endParaRPr lang="en-GB"/>
           </a:p>
@@ -4843,7 +4844,7 @@
         <p:spPr>
           <a:xfrm>
             <a:off x="-32567" y="981071"/>
-            <a:ext cx="12053117" cy="4832092"/>
+            <a:ext cx="12053117" cy="4493538"/>
           </a:xfrm>
           <a:prstGeom prst="rect">
             <a:avLst/>
@@ -4958,6 +4959,15 @@
               <a:buFont typeface="Arial" panose="020B0604020202020204" pitchFamily="34" charset="0"/>
               <a:buChar char="•"/>
             </a:pPr>
+            <a:endParaRPr lang="en-US" sz="2200" dirty="0">
+              <a:latin typeface="Gill Sans MT" panose="020B0502020104020203" pitchFamily="34" charset="77"/>
+            </a:endParaRPr>
+          </a:p>
+          <a:p>
+            <a:pPr marL="457200" indent="-457200">
+              <a:buFont typeface="Arial" panose="020B0604020202020204" pitchFamily="34" charset="0"/>
+              <a:buChar char="•"/>
+            </a:pPr>
             <a:r>
               <a:rPr lang="en-US" sz="2200" b="1" dirty="0">
                 <a:latin typeface="Gill Sans MT" panose="020B0502020104020203" pitchFamily="34" charset="77"/>
@@ -4965,27 +4975,6 @@
               <a:t>Increasing slope angle, relief, drainage area, uplift, and precipitation = more erosion</a:t>
             </a:r>
           </a:p>
-          <a:p>
-            <a:pPr marL="457200" indent="-457200">
-              <a:buFont typeface="Arial" panose="020B0604020202020204" pitchFamily="34" charset="0"/>
-              <a:buChar char="•"/>
-            </a:pPr>
-            <a:endParaRPr lang="en-US" sz="2200" b="1" dirty="0">
-              <a:latin typeface="Gill Sans MT" panose="020B0502020104020203" pitchFamily="34" charset="77"/>
-            </a:endParaRPr>
-          </a:p>
-          <a:p>
-            <a:pPr marL="457200" indent="-457200">
-              <a:buFont typeface="Arial" panose="020B0604020202020204" pitchFamily="34" charset="0"/>
-              <a:buChar char="•"/>
-            </a:pPr>
-            <a:r>
-              <a:rPr lang="en-US" sz="2200" b="1" dirty="0">
-                <a:latin typeface="Gill Sans MT" panose="020B0502020104020203" pitchFamily="34" charset="77"/>
-              </a:rPr>
-              <a:t>Decreasing slope angle = more deposition</a:t>
-            </a:r>
-          </a:p>
         </p:txBody>
       </p:sp>
       <p:sp>
@@ -5003,7 +4992,7 @@
         <p:spPr>
           <a:xfrm>
             <a:off x="870134" y="2314436"/>
-            <a:ext cx="4117153" cy="769441"/>
+            <a:ext cx="3929602" cy="769441"/>
           </a:xfrm>
           <a:prstGeom prst="rect">
             <a:avLst/>
@@ -5042,7 +5031,7 @@
                 <a:latin typeface="Cambria Math" panose="02040503050406030204" pitchFamily="18" charset="0"/>
                 <a:ea typeface="Cambria Math" panose="02040503050406030204" pitchFamily="18" charset="0"/>
               </a:rPr>
-              <a:t>= -</a:t>
+              <a:t>= </a:t>
             </a:r>
             <a:r>
               <a:rPr lang="en-GB" sz="4400" i="1" dirty="0">
@@ -5146,7 +5135,7 @@
         </p:nvSpPr>
         <p:spPr>
           <a:xfrm>
-            <a:off x="1803683" y="3429000"/>
+            <a:off x="1683363" y="3429000"/>
             <a:ext cx="2860207" cy="646331"/>
           </a:xfrm>
           <a:prstGeom prst="rect">
@@ -5271,7 +5260,7 @@
         </p:nvCxnSpPr>
         <p:spPr>
           <a:xfrm flipV="1">
-            <a:off x="3233787" y="3049540"/>
+            <a:off x="3113467" y="3049540"/>
             <a:ext cx="0" cy="379460"/>
           </a:xfrm>
           <a:prstGeom prst="straightConnector1">
@@ -5313,7 +5302,7 @@
         </p:nvSpPr>
         <p:spPr>
           <a:xfrm>
-            <a:off x="778315" y="3360453"/>
+            <a:off x="682059" y="3384517"/>
             <a:ext cx="1127873" cy="369332"/>
           </a:xfrm>
           <a:prstGeom prst="rect">
@@ -5351,7 +5340,7 @@
         </p:nvCxnSpPr>
         <p:spPr>
           <a:xfrm flipV="1">
-            <a:off x="1482609" y="2966985"/>
+            <a:off x="1386353" y="2991049"/>
             <a:ext cx="673547" cy="427913"/>
           </a:xfrm>
           <a:prstGeom prst="straightConnector1">
@@ -5652,8 +5641,8 @@
         </p:nvSpPr>
         <p:spPr>
           <a:xfrm>
-            <a:off x="6304167" y="1423212"/>
-            <a:ext cx="2018245" cy="646331"/>
+            <a:off x="6317613" y="1422778"/>
+            <a:ext cx="2082365" cy="646331"/>
           </a:xfrm>
           <a:prstGeom prst="rect">
             <a:avLst/>
@@ -5673,7 +5662,7 @@
                   <a:srgbClr val="FF0000"/>
                 </a:solidFill>
               </a:rPr>
-              <a:t>Change in elevation</a:t>
+              <a:t>Change in elevation </a:t>
             </a:r>
           </a:p>
           <a:p>
@@ -5684,7 +5673,7 @@
                   <a:srgbClr val="FF0000"/>
                 </a:solidFill>
               </a:rPr>
-              <a:t> through time</a:t>
+              <a:t>through time</a:t>
             </a:r>
           </a:p>
         </p:txBody>
@@ -8151,6 +8140,456 @@
     <p:extLst>
       <p:ext uri="{BB962C8B-B14F-4D97-AF65-F5344CB8AC3E}">
         <p14:creationId xmlns:p14="http://schemas.microsoft.com/office/powerpoint/2010/main" val="2338330312"/>
+      </p:ext>
+    </p:extLst>
+  </p:cSld>
+  <p:clrMapOvr>
+    <a:masterClrMapping/>
+  </p:clrMapOvr>
+</p:sld>
+</file>
+
+<file path=ppt/slides/slide8.xml><?xml version="1.0" encoding="utf-8"?>
+<p:sld xmlns:a="http://schemas.openxmlformats.org/drawingml/2006/main" xmlns:r="http://schemas.openxmlformats.org/officeDocument/2006/relationships" xmlns:p="http://schemas.openxmlformats.org/presentationml/2006/main">
+  <p:cSld>
+    <p:bg>
+      <p:bgPr>
+        <a:solidFill>
+          <a:schemeClr val="bg1"/>
+        </a:solidFill>
+        <a:effectLst/>
+      </p:bgPr>
+    </p:bg>
+    <p:spTree>
+      <p:nvGrpSpPr>
+        <p:cNvPr id="1" name=""/>
+        <p:cNvGrpSpPr/>
+        <p:nvPr/>
+      </p:nvGrpSpPr>
+      <p:grpSpPr>
+        <a:xfrm>
+          <a:off x="0" y="0"/>
+          <a:ext cx="0" cy="0"/>
+          <a:chOff x="0" y="0"/>
+          <a:chExt cx="0" cy="0"/>
+        </a:xfrm>
+      </p:grpSpPr>
+      <p:sp>
+        <p:nvSpPr>
+          <p:cNvPr id="4" name="Rectangle 3">
+            <a:extLst>
+              <a:ext uri="{FF2B5EF4-FFF2-40B4-BE49-F238E27FC236}">
+                <a16:creationId xmlns:a16="http://schemas.microsoft.com/office/drawing/2014/main" id="{CB21571F-85F7-AE4B-B2E2-3ADAC7D50C6C}"/>
+              </a:ext>
+            </a:extLst>
+          </p:cNvPr>
+          <p:cNvSpPr/>
+          <p:nvPr/>
+        </p:nvSpPr>
+        <p:spPr>
+          <a:xfrm>
+            <a:off x="-14288" y="6139557"/>
+            <a:ext cx="12222000" cy="732731"/>
+          </a:xfrm>
+          <a:prstGeom prst="rect">
+            <a:avLst/>
+          </a:prstGeom>
+          <a:solidFill>
+            <a:srgbClr val="2B3E50"/>
+          </a:solidFill>
+          <a:ln>
+            <a:noFill/>
+          </a:ln>
+        </p:spPr>
+        <p:style>
+          <a:lnRef idx="2">
+            <a:schemeClr val="accent1">
+              <a:shade val="50000"/>
+            </a:schemeClr>
+          </a:lnRef>
+          <a:fillRef idx="1">
+            <a:schemeClr val="accent1"/>
+          </a:fillRef>
+          <a:effectRef idx="0">
+            <a:schemeClr val="accent1"/>
+          </a:effectRef>
+          <a:fontRef idx="minor">
+            <a:schemeClr val="lt1"/>
+          </a:fontRef>
+        </p:style>
+        <p:txBody>
+          <a:bodyPr rtlCol="0" anchor="ctr"/>
+          <a:lstStyle/>
+          <a:p>
+            <a:pPr algn="ctr"/>
+            <a:endParaRPr lang="en-US"/>
+          </a:p>
+        </p:txBody>
+      </p:sp>
+      <p:sp>
+        <p:nvSpPr>
+          <p:cNvPr id="41" name="TextBox 40">
+            <a:extLst>
+              <a:ext uri="{FF2B5EF4-FFF2-40B4-BE49-F238E27FC236}">
+                <a16:creationId xmlns:a16="http://schemas.microsoft.com/office/drawing/2014/main" id="{1F1DDB77-49B2-4F7E-AF0B-44AB9E2B9791}"/>
+              </a:ext>
+            </a:extLst>
+          </p:cNvPr>
+          <p:cNvSpPr txBox="1"/>
+          <p:nvPr/>
+        </p:nvSpPr>
+        <p:spPr>
+          <a:xfrm>
+            <a:off x="138885" y="70630"/>
+            <a:ext cx="7062716" cy="523220"/>
+          </a:xfrm>
+          <a:prstGeom prst="rect">
+            <a:avLst/>
+          </a:prstGeom>
+          <a:noFill/>
+          <a:ln>
+            <a:noFill/>
+          </a:ln>
+        </p:spPr>
+        <p:txBody>
+          <a:bodyPr wrap="square" rtlCol="0">
+            <a:spAutoFit/>
+          </a:bodyPr>
+          <a:lstStyle/>
+          <a:p>
+            <a:r>
+              <a:rPr lang="en-GB" sz="2800" dirty="0">
+                <a:latin typeface="Gill Sans MT" panose="020B0502020104020203" pitchFamily="34" charset="77"/>
+                <a:cs typeface="Arial" panose="020B0604020202020204" pitchFamily="34" charset="0"/>
+              </a:rPr>
+              <a:t>Q5) Problems?</a:t>
+            </a:r>
+          </a:p>
+        </p:txBody>
+      </p:sp>
+      <p:cxnSp>
+        <p:nvCxnSpPr>
+          <p:cNvPr id="47" name="Straight Connector 46">
+            <a:extLst>
+              <a:ext uri="{FF2B5EF4-FFF2-40B4-BE49-F238E27FC236}">
+                <a16:creationId xmlns:a16="http://schemas.microsoft.com/office/drawing/2014/main" id="{A6556353-5C53-4E25-8556-AC78C35DDA2F}"/>
+              </a:ext>
+            </a:extLst>
+          </p:cNvPr>
+          <p:cNvCxnSpPr>
+            <a:cxnSpLocks/>
+          </p:cNvCxnSpPr>
+          <p:nvPr/>
+        </p:nvCxnSpPr>
+        <p:spPr>
+          <a:xfrm>
+            <a:off x="4455994" y="2449773"/>
+            <a:ext cx="0" cy="2745957"/>
+          </a:xfrm>
+          <a:prstGeom prst="line">
+            <a:avLst/>
+          </a:prstGeom>
+          <a:ln w="19050">
+            <a:noFill/>
+          </a:ln>
+        </p:spPr>
+        <p:style>
+          <a:lnRef idx="1">
+            <a:schemeClr val="accent1"/>
+          </a:lnRef>
+          <a:fillRef idx="0">
+            <a:schemeClr val="accent1"/>
+          </a:fillRef>
+          <a:effectRef idx="0">
+            <a:schemeClr val="accent1"/>
+          </a:effectRef>
+          <a:fontRef idx="minor">
+            <a:schemeClr val="tx1"/>
+          </a:fontRef>
+        </p:style>
+      </p:cxnSp>
+      <p:cxnSp>
+        <p:nvCxnSpPr>
+          <p:cNvPr id="16" name="Straight Connector 15">
+            <a:extLst>
+              <a:ext uri="{FF2B5EF4-FFF2-40B4-BE49-F238E27FC236}">
+                <a16:creationId xmlns:a16="http://schemas.microsoft.com/office/drawing/2014/main" id="{B884AD51-45BE-49DD-B24A-30520A7E9756}"/>
+              </a:ext>
+            </a:extLst>
+          </p:cNvPr>
+          <p:cNvCxnSpPr>
+            <a:cxnSpLocks/>
+          </p:cNvCxnSpPr>
+          <p:nvPr/>
+        </p:nvCxnSpPr>
+        <p:spPr>
+          <a:xfrm>
+            <a:off x="10143240" y="6232522"/>
+            <a:ext cx="0" cy="625478"/>
+          </a:xfrm>
+          <a:prstGeom prst="line">
+            <a:avLst/>
+          </a:prstGeom>
+          <a:ln w="19050">
+            <a:noFill/>
+          </a:ln>
+        </p:spPr>
+        <p:style>
+          <a:lnRef idx="1">
+            <a:schemeClr val="accent1"/>
+          </a:lnRef>
+          <a:fillRef idx="0">
+            <a:schemeClr val="accent1"/>
+          </a:fillRef>
+          <a:effectRef idx="0">
+            <a:schemeClr val="accent1"/>
+          </a:effectRef>
+          <a:fontRef idx="minor">
+            <a:schemeClr val="tx1"/>
+          </a:fontRef>
+        </p:style>
+      </p:cxnSp>
+      <p:cxnSp>
+        <p:nvCxnSpPr>
+          <p:cNvPr id="3" name="Straight Connector 2">
+            <a:extLst>
+              <a:ext uri="{FF2B5EF4-FFF2-40B4-BE49-F238E27FC236}">
+                <a16:creationId xmlns:a16="http://schemas.microsoft.com/office/drawing/2014/main" id="{40E5DBEB-51BF-2A4B-A478-BDC8F82A5871}"/>
+              </a:ext>
+            </a:extLst>
+          </p:cNvPr>
+          <p:cNvCxnSpPr/>
+          <p:nvPr/>
+        </p:nvCxnSpPr>
+        <p:spPr>
+          <a:xfrm>
+            <a:off x="0" y="700088"/>
+            <a:ext cx="4455994" cy="0"/>
+          </a:xfrm>
+          <a:prstGeom prst="line">
+            <a:avLst/>
+          </a:prstGeom>
+          <a:ln w="19050">
+            <a:solidFill>
+              <a:schemeClr val="tx1"/>
+            </a:solidFill>
+          </a:ln>
+        </p:spPr>
+        <p:style>
+          <a:lnRef idx="1">
+            <a:schemeClr val="accent1"/>
+          </a:lnRef>
+          <a:fillRef idx="0">
+            <a:schemeClr val="accent1"/>
+          </a:fillRef>
+          <a:effectRef idx="0">
+            <a:schemeClr val="accent1"/>
+          </a:effectRef>
+          <a:fontRef idx="minor">
+            <a:schemeClr val="tx1"/>
+          </a:fontRef>
+        </p:style>
+      </p:cxnSp>
+      <p:sp>
+        <p:nvSpPr>
+          <p:cNvPr id="5" name="Slide Number Placeholder 4">
+            <a:extLst>
+              <a:ext uri="{FF2B5EF4-FFF2-40B4-BE49-F238E27FC236}">
+                <a16:creationId xmlns:a16="http://schemas.microsoft.com/office/drawing/2014/main" id="{30ADCDB7-57EF-E54F-A596-AADF7679073E}"/>
+              </a:ext>
+            </a:extLst>
+          </p:cNvPr>
+          <p:cNvSpPr>
+            <a:spLocks noGrp="1"/>
+          </p:cNvSpPr>
+          <p:nvPr>
+            <p:ph type="sldNum" sz="quarter" idx="12"/>
+          </p:nvPr>
+        </p:nvSpPr>
+        <p:spPr>
+          <a:xfrm>
+            <a:off x="9337790" y="6330051"/>
+            <a:ext cx="2743200" cy="365125"/>
+          </a:xfrm>
+        </p:spPr>
+        <p:txBody>
+          <a:bodyPr/>
+          <a:lstStyle/>
+          <a:p>
+            <a:fld id="{5FD0E1BE-E3CC-4253-863B-652DDA764228}" type="slidenum">
+              <a:rPr lang="en-GB" sz="1800" smtClean="0">
+                <a:solidFill>
+                  <a:schemeClr val="bg1"/>
+                </a:solidFill>
+                <a:latin typeface="Gill Sans MT" panose="020B0502020104020203" pitchFamily="34" charset="77"/>
+              </a:rPr>
+              <a:t>8</a:t>
+            </a:fld>
+            <a:endParaRPr lang="en-GB" sz="1800" dirty="0">
+              <a:solidFill>
+                <a:schemeClr val="bg1"/>
+              </a:solidFill>
+              <a:latin typeface="Gill Sans MT" panose="020B0502020104020203" pitchFamily="34" charset="77"/>
+            </a:endParaRPr>
+          </a:p>
+        </p:txBody>
+      </p:sp>
+      <p:cxnSp>
+        <p:nvCxnSpPr>
+          <p:cNvPr id="7" name="Straight Connector 6">
+            <a:extLst>
+              <a:ext uri="{FF2B5EF4-FFF2-40B4-BE49-F238E27FC236}">
+                <a16:creationId xmlns:a16="http://schemas.microsoft.com/office/drawing/2014/main" id="{6138D844-3038-7545-8C96-03DAD656BC1C}"/>
+              </a:ext>
+            </a:extLst>
+          </p:cNvPr>
+          <p:cNvCxnSpPr>
+            <a:cxnSpLocks/>
+          </p:cNvCxnSpPr>
+          <p:nvPr/>
+        </p:nvCxnSpPr>
+        <p:spPr>
+          <a:xfrm>
+            <a:off x="11615738" y="6215747"/>
+            <a:ext cx="0" cy="559038"/>
+          </a:xfrm>
+          <a:prstGeom prst="line">
+            <a:avLst/>
+          </a:prstGeom>
+          <a:ln w="19050">
+            <a:solidFill>
+              <a:schemeClr val="bg1"/>
+            </a:solidFill>
+          </a:ln>
+        </p:spPr>
+        <p:style>
+          <a:lnRef idx="1">
+            <a:schemeClr val="accent1"/>
+          </a:lnRef>
+          <a:fillRef idx="0">
+            <a:schemeClr val="accent1"/>
+          </a:fillRef>
+          <a:effectRef idx="0">
+            <a:schemeClr val="accent1"/>
+          </a:effectRef>
+          <a:fontRef idx="minor">
+            <a:schemeClr val="tx1"/>
+          </a:fontRef>
+        </p:style>
+      </p:cxnSp>
+      <p:sp>
+        <p:nvSpPr>
+          <p:cNvPr id="10" name="TextBox 9">
+            <a:extLst>
+              <a:ext uri="{FF2B5EF4-FFF2-40B4-BE49-F238E27FC236}">
+                <a16:creationId xmlns:a16="http://schemas.microsoft.com/office/drawing/2014/main" id="{8CA5167D-CDC5-2746-837D-1BE7C15B6366}"/>
+              </a:ext>
+            </a:extLst>
+          </p:cNvPr>
+          <p:cNvSpPr txBox="1"/>
+          <p:nvPr/>
+        </p:nvSpPr>
+        <p:spPr>
+          <a:xfrm>
+            <a:off x="138884" y="809621"/>
+            <a:ext cx="11157766" cy="2246769"/>
+          </a:xfrm>
+          <a:prstGeom prst="rect">
+            <a:avLst/>
+          </a:prstGeom>
+          <a:noFill/>
+        </p:spPr>
+        <p:txBody>
+          <a:bodyPr wrap="square" rtlCol="0">
+            <a:spAutoFit/>
+          </a:bodyPr>
+          <a:lstStyle/>
+          <a:p>
+            <a:pPr marL="285750" indent="-285750">
+              <a:buFont typeface="Arial" panose="020B0604020202020204" pitchFamily="34" charset="0"/>
+              <a:buChar char="•"/>
+            </a:pPr>
+            <a:r>
+              <a:rPr lang="en-US" sz="2000" b="1" dirty="0">
+                <a:latin typeface="Gill Sans MT" panose="020B0502020104020203" pitchFamily="34" charset="77"/>
+              </a:rPr>
+              <a:t>What is the problem with these equations?</a:t>
+            </a:r>
+          </a:p>
+          <a:p>
+            <a:pPr marL="285750" indent="-285750">
+              <a:buFont typeface="Arial" panose="020B0604020202020204" pitchFamily="34" charset="0"/>
+              <a:buChar char="•"/>
+            </a:pPr>
+            <a:endParaRPr lang="en-US" sz="2000" dirty="0">
+              <a:latin typeface="Gill Sans MT" panose="020B0502020104020203" pitchFamily="34" charset="77"/>
+            </a:endParaRPr>
+          </a:p>
+          <a:p>
+            <a:pPr marL="285750" indent="-285750">
+              <a:buFont typeface="Arial" panose="020B0604020202020204" pitchFamily="34" charset="0"/>
+              <a:buChar char="•"/>
+            </a:pPr>
+            <a:r>
+              <a:rPr lang="en-US" sz="2000" dirty="0">
+                <a:latin typeface="Gill Sans MT" panose="020B0502020104020203" pitchFamily="34" charset="77"/>
+              </a:rPr>
+              <a:t>For example, what is the problem with the </a:t>
+            </a:r>
+            <a:r>
+              <a:rPr lang="en-US" sz="2000" i="1" dirty="0">
+                <a:latin typeface="Gill Sans MT" panose="020B0502020104020203" pitchFamily="34" charset="77"/>
+              </a:rPr>
+              <a:t>K</a:t>
+            </a:r>
+            <a:r>
+              <a:rPr lang="en-US" sz="2000" dirty="0">
+                <a:latin typeface="Gill Sans MT" panose="020B0502020104020203" pitchFamily="34" charset="77"/>
+              </a:rPr>
+              <a:t> (erodibility) parameter? What controls erodibility?</a:t>
+            </a:r>
+          </a:p>
+          <a:p>
+            <a:pPr marL="742950" lvl="1" indent="-285750">
+              <a:buFont typeface="Arial" panose="020B0604020202020204" pitchFamily="34" charset="0"/>
+              <a:buChar char="•"/>
+            </a:pPr>
+            <a:r>
+              <a:rPr lang="en-US" sz="2000" b="1" dirty="0">
+                <a:latin typeface="Gill Sans MT" panose="020B0502020104020203" pitchFamily="34" charset="77"/>
+              </a:rPr>
+              <a:t>..</a:t>
+            </a:r>
+          </a:p>
+          <a:p>
+            <a:pPr marL="285750" indent="-285750">
+              <a:buFont typeface="Arial" panose="020B0604020202020204" pitchFamily="34" charset="0"/>
+              <a:buChar char="•"/>
+            </a:pPr>
+            <a:endParaRPr lang="en-US" sz="2000" dirty="0">
+              <a:latin typeface="Gill Sans MT" panose="020B0502020104020203" pitchFamily="34" charset="77"/>
+            </a:endParaRPr>
+          </a:p>
+          <a:p>
+            <a:endParaRPr lang="en-US" sz="2000" dirty="0">
+              <a:latin typeface="Gill Sans MT" panose="020B0502020104020203" pitchFamily="34" charset="77"/>
+            </a:endParaRPr>
+          </a:p>
+          <a:p>
+            <a:pPr marL="285750" indent="-285750">
+              <a:buFont typeface="Arial" panose="020B0604020202020204" pitchFamily="34" charset="0"/>
+              <a:buChar char="•"/>
+            </a:pPr>
+            <a:endParaRPr lang="en-US" sz="2000" b="1" dirty="0">
+              <a:latin typeface="Gill Sans MT" panose="020B0502020104020203" pitchFamily="34" charset="77"/>
+            </a:endParaRPr>
+          </a:p>
+        </p:txBody>
+      </p:sp>
+    </p:spTree>
+    <p:extLst>
+      <p:ext uri="{BB962C8B-B14F-4D97-AF65-F5344CB8AC3E}">
+        <p14:creationId xmlns:p14="http://schemas.microsoft.com/office/powerpoint/2010/main" val="1115125251"/>
       </p:ext>
     </p:extLst>
   </p:cSld>
@@ -8721,12 +9160,6 @@
 </file>
 
 <file path=customXml/item1.xml><?xml version="1.0" encoding="utf-8"?>
-<p:properties xmlns:p="http://schemas.microsoft.com/office/2006/metadata/properties" xmlns:xsi="http://www.w3.org/2001/XMLSchema-instance" xmlns:pc="http://schemas.microsoft.com/office/infopath/2007/PartnerControls">
-  <documentManagement/>
-</p:properties>
-</file>
-
-<file path=customXml/item2.xml><?xml version="1.0" encoding="utf-8"?>
 <ct:contentTypeSchema xmlns:ct="http://schemas.microsoft.com/office/2006/metadata/contentType" xmlns:ma="http://schemas.microsoft.com/office/2006/metadata/properties/metaAttributes" ct:_="" ma:_="" ma:contentTypeName="Document" ma:contentTypeID="0x0101005EA262CC54F5404CBC605AC31DD9493E" ma:contentTypeVersion="13" ma:contentTypeDescription="Create a new document." ma:contentTypeScope="" ma:versionID="4569e1f4c88f091706ae00b1f4ea88b0">
   <xsd:schema xmlns:xsd="http://www.w3.org/2001/XMLSchema" xmlns:xs="http://www.w3.org/2001/XMLSchema" xmlns:p="http://schemas.microsoft.com/office/2006/metadata/properties" xmlns:ns3="6269b50c-3162-4885-9d8c-677845502203" xmlns:ns4="e1cb9717-43fa-4701-999d-9ce29cfcf755" targetNamespace="http://schemas.microsoft.com/office/2006/metadata/properties" ma:root="true" ma:fieldsID="4089ac90b860a43b32fd1fe14eb7ef19" ns3:_="" ns4:_="">
     <xsd:import namespace="6269b50c-3162-4885-9d8c-677845502203"/>
@@ -8949,6 +9382,12 @@
 </ct:contentTypeSchema>
 </file>
 
+<file path=customXml/item2.xml><?xml version="1.0" encoding="utf-8"?>
+<p:properties xmlns:p="http://schemas.microsoft.com/office/2006/metadata/properties" xmlns:xsi="http://www.w3.org/2001/XMLSchema-instance" xmlns:pc="http://schemas.microsoft.com/office/infopath/2007/PartnerControls">
+  <documentManagement/>
+</p:properties>
+</file>
+
 <file path=customXml/item3.xml><?xml version="1.0" encoding="utf-8"?>
 <?mso-contentType ?>
 <FormTemplates xmlns="http://schemas.microsoft.com/sharepoint/v3/contenttype/forms">
@@ -8959,23 +9398,6 @@
 </file>
 
 <file path=customXml/itemProps1.xml><?xml version="1.0" encoding="utf-8"?>
-<ds:datastoreItem xmlns:ds="http://schemas.openxmlformats.org/officeDocument/2006/customXml" ds:itemID="{A6BDF240-9708-4268-885B-2DCE7A4CCF49}">
-  <ds:schemaRefs>
-    <ds:schemaRef ds:uri="http://schemas.microsoft.com/office/2006/metadata/properties"/>
-    <ds:schemaRef ds:uri="http://www.w3.org/XML/1998/namespace"/>
-    <ds:schemaRef ds:uri="6269b50c-3162-4885-9d8c-677845502203"/>
-    <ds:schemaRef ds:uri="http://purl.org/dc/terms/"/>
-    <ds:schemaRef ds:uri="http://purl.org/dc/elements/1.1/"/>
-    <ds:schemaRef ds:uri="http://schemas.microsoft.com/office/infopath/2007/PartnerControls"/>
-    <ds:schemaRef ds:uri="http://schemas.microsoft.com/office/2006/documentManagement/types"/>
-    <ds:schemaRef ds:uri="http://schemas.openxmlformats.org/package/2006/metadata/core-properties"/>
-    <ds:schemaRef ds:uri="e1cb9717-43fa-4701-999d-9ce29cfcf755"/>
-    <ds:schemaRef ds:uri="http://purl.org/dc/dcmitype/"/>
-  </ds:schemaRefs>
-</ds:datastoreItem>
-</file>
-
-<file path=customXml/itemProps2.xml><?xml version="1.0" encoding="utf-8"?>
 <ds:datastoreItem xmlns:ds="http://schemas.openxmlformats.org/officeDocument/2006/customXml" ds:itemID="{B1F4BAEB-E0A8-4A2C-B6E0-78A3CCBC107C}">
   <ds:schemaRefs>
     <ds:schemaRef ds:uri="http://schemas.microsoft.com/office/2006/metadata/contentType"/>
@@ -8994,6 +9416,23 @@
 </ds:datastoreItem>
 </file>
 
+<file path=customXml/itemProps2.xml><?xml version="1.0" encoding="utf-8"?>
+<ds:datastoreItem xmlns:ds="http://schemas.openxmlformats.org/officeDocument/2006/customXml" ds:itemID="{A6BDF240-9708-4268-885B-2DCE7A4CCF49}">
+  <ds:schemaRefs>
+    <ds:schemaRef ds:uri="http://schemas.microsoft.com/office/2006/metadata/properties"/>
+    <ds:schemaRef ds:uri="http://www.w3.org/XML/1998/namespace"/>
+    <ds:schemaRef ds:uri="6269b50c-3162-4885-9d8c-677845502203"/>
+    <ds:schemaRef ds:uri="http://purl.org/dc/terms/"/>
+    <ds:schemaRef ds:uri="http://purl.org/dc/elements/1.1/"/>
+    <ds:schemaRef ds:uri="http://schemas.microsoft.com/office/infopath/2007/PartnerControls"/>
+    <ds:schemaRef ds:uri="http://schemas.microsoft.com/office/2006/documentManagement/types"/>
+    <ds:schemaRef ds:uri="http://schemas.openxmlformats.org/package/2006/metadata/core-properties"/>
+    <ds:schemaRef ds:uri="e1cb9717-43fa-4701-999d-9ce29cfcf755"/>
+    <ds:schemaRef ds:uri="http://purl.org/dc/dcmitype/"/>
+  </ds:schemaRefs>
+</ds:datastoreItem>
+</file>
+
 <file path=customXml/itemProps3.xml><?xml version="1.0" encoding="utf-8"?>
 <ds:datastoreItem xmlns:ds="http://schemas.openxmlformats.org/officeDocument/2006/customXml" ds:itemID="{05E30762-1249-4A3F-997C-ED631001CE2C}">
   <ds:schemaRefs>
